--- a/test.pptx
+++ b/test.pptx
@@ -6,6 +6,11 @@
   </p:sldMasterIdLst>
   <p:sldIdLst>
     <p:sldId id="256" r:id="rId2"/>
+    <p:sldId id="257" r:id="rId3"/>
+    <p:sldId id="258" r:id="rId4"/>
+    <p:sldId id="259" r:id="rId5"/>
+    <p:sldId id="260" r:id="rId6"/>
+    <p:sldId id="261" r:id="rId7"/>
   </p:sldIdLst>
   <p:sldSz cx="12192000" cy="6858000"/>
   <p:notesSz cx="6858000" cy="9144000"/>
@@ -3631,10 +3636,10 @@
           <a:lstStyle/>
           <a:p>
             <a:r>
-              <a:rPr kumimoji="1" lang="en-US" altLang="ja-JP"/>
+              <a:rPr kumimoji="1" lang="en-US" altLang="ja-JP" dirty="0"/>
               <a:t>test</a:t>
             </a:r>
-            <a:endParaRPr kumimoji="1" lang="ja-JP" altLang="en-US"/>
+            <a:endParaRPr kumimoji="1" lang="ja-JP" altLang="en-US" dirty="0"/>
           </a:p>
         </p:txBody>
       </p:sp>
@@ -3667,6 +3672,1319 @@
     <p:extLst>
       <p:ext uri="{BB962C8B-B14F-4D97-AF65-F5344CB8AC3E}">
         <p14:creationId xmlns:p14="http://schemas.microsoft.com/office/powerpoint/2010/main" val="1554055670"/>
+      </p:ext>
+    </p:extLst>
+  </p:cSld>
+  <p:clrMapOvr>
+    <a:masterClrMapping/>
+  </p:clrMapOvr>
+</p:sld>
+</file>
+
+<file path=ppt/slides/slide2.xml><?xml version="1.0" encoding="utf-8"?>
+<p:sld xmlns:a="http://schemas.openxmlformats.org/drawingml/2006/main" xmlns:r="http://schemas.openxmlformats.org/officeDocument/2006/relationships" xmlns:p="http://schemas.openxmlformats.org/presentationml/2006/main">
+  <p:cSld>
+    <p:spTree>
+      <p:nvGrpSpPr>
+        <p:cNvPr id="1" name=""/>
+        <p:cNvGrpSpPr/>
+        <p:nvPr/>
+      </p:nvGrpSpPr>
+      <p:grpSpPr>
+        <a:xfrm>
+          <a:off x="0" y="0"/>
+          <a:ext cx="0" cy="0"/>
+          <a:chOff x="0" y="0"/>
+          <a:chExt cx="0" cy="0"/>
+        </a:xfrm>
+      </p:grpSpPr>
+      <p:sp>
+        <p:nvSpPr>
+          <p:cNvPr id="2" name="タイトル 1">
+            <a:extLst>
+              <a:ext uri="{FF2B5EF4-FFF2-40B4-BE49-F238E27FC236}">
+                <a16:creationId xmlns:a16="http://schemas.microsoft.com/office/drawing/2014/main" id="{D8DB3790-86E3-D853-3F6E-68335E753D91}"/>
+              </a:ext>
+            </a:extLst>
+          </p:cNvPr>
+          <p:cNvSpPr>
+            <a:spLocks noGrp="1"/>
+          </p:cNvSpPr>
+          <p:nvPr>
+            <p:ph type="title"/>
+          </p:nvPr>
+        </p:nvSpPr>
+        <p:spPr/>
+        <p:txBody>
+          <a:bodyPr/>
+          <a:lstStyle/>
+          <a:p>
+            <a:endParaRPr kumimoji="1" lang="ja-JP" altLang="en-US" dirty="0"/>
+          </a:p>
+        </p:txBody>
+      </p:sp>
+      <p:pic>
+        <p:nvPicPr>
+          <p:cNvPr id="5" name="コンテンツ プレースホルダー 4">
+            <a:extLst>
+              <a:ext uri="{FF2B5EF4-FFF2-40B4-BE49-F238E27FC236}">
+                <a16:creationId xmlns:a16="http://schemas.microsoft.com/office/drawing/2014/main" id="{EA161A37-E6BF-CD73-5C99-0119D086C76D}"/>
+              </a:ext>
+            </a:extLst>
+          </p:cNvPr>
+          <p:cNvPicPr>
+            <a:picLocks noGrp="1" noChangeAspect="1"/>
+          </p:cNvPicPr>
+          <p:nvPr>
+            <p:ph idx="1"/>
+          </p:nvPr>
+        </p:nvPicPr>
+        <p:blipFill>
+          <a:blip r:embed="rId2">
+            <a:clrChange>
+              <a:clrFrom>
+                <a:srgbClr val="FFFFFF"/>
+              </a:clrFrom>
+              <a:clrTo>
+                <a:srgbClr val="FFFFFF">
+                  <a:alpha val="0"/>
+                </a:srgbClr>
+              </a:clrTo>
+            </a:clrChange>
+            <a:extLst>
+              <a:ext uri="{28A0092B-C50C-407E-A947-70E740481C1C}">
+                <a14:useLocalDpi xmlns:a14="http://schemas.microsoft.com/office/drawing/2010/main" val="0"/>
+              </a:ext>
+            </a:extLst>
+          </a:blip>
+          <a:stretch>
+            <a:fillRect/>
+          </a:stretch>
+        </p:blipFill>
+        <p:spPr>
+          <a:xfrm>
+            <a:off x="-672966" y="1438868"/>
+            <a:ext cx="5029200" cy="3257550"/>
+          </a:xfrm>
+        </p:spPr>
+      </p:pic>
+      <p:pic>
+        <p:nvPicPr>
+          <p:cNvPr id="6" name="コンテンツ プレースホルダー 4">
+            <a:extLst>
+              <a:ext uri="{FF2B5EF4-FFF2-40B4-BE49-F238E27FC236}">
+                <a16:creationId xmlns:a16="http://schemas.microsoft.com/office/drawing/2014/main" id="{F2C8E998-4A38-151D-9990-385EB5CEAB5A}"/>
+              </a:ext>
+            </a:extLst>
+          </p:cNvPr>
+          <p:cNvPicPr>
+            <a:picLocks noChangeAspect="1"/>
+          </p:cNvPicPr>
+          <p:nvPr/>
+        </p:nvPicPr>
+        <p:blipFill>
+          <a:blip r:embed="rId2">
+            <a:clrChange>
+              <a:clrFrom>
+                <a:srgbClr val="FFFFFF"/>
+              </a:clrFrom>
+              <a:clrTo>
+                <a:srgbClr val="FFFFFF">
+                  <a:alpha val="0"/>
+                </a:srgbClr>
+              </a:clrTo>
+            </a:clrChange>
+            <a:extLst>
+              <a:ext uri="{28A0092B-C50C-407E-A947-70E740481C1C}">
+                <a14:useLocalDpi xmlns:a14="http://schemas.microsoft.com/office/drawing/2010/main" val="0"/>
+              </a:ext>
+            </a:extLst>
+          </a:blip>
+          <a:stretch>
+            <a:fillRect/>
+          </a:stretch>
+        </p:blipFill>
+        <p:spPr>
+          <a:xfrm>
+            <a:off x="311217" y="1438868"/>
+            <a:ext cx="5029200" cy="3257550"/>
+          </a:xfrm>
+          <a:prstGeom prst="rect">
+            <a:avLst/>
+          </a:prstGeom>
+        </p:spPr>
+      </p:pic>
+      <p:pic>
+        <p:nvPicPr>
+          <p:cNvPr id="7" name="コンテンツ プレースホルダー 4">
+            <a:extLst>
+              <a:ext uri="{FF2B5EF4-FFF2-40B4-BE49-F238E27FC236}">
+                <a16:creationId xmlns:a16="http://schemas.microsoft.com/office/drawing/2014/main" id="{64DB6CA8-0BAA-B97D-5E48-A0A27CE30A13}"/>
+              </a:ext>
+            </a:extLst>
+          </p:cNvPr>
+          <p:cNvPicPr>
+            <a:picLocks noChangeAspect="1"/>
+          </p:cNvPicPr>
+          <p:nvPr/>
+        </p:nvPicPr>
+        <p:blipFill>
+          <a:blip r:embed="rId2">
+            <a:clrChange>
+              <a:clrFrom>
+                <a:srgbClr val="FFFFFF"/>
+              </a:clrFrom>
+              <a:clrTo>
+                <a:srgbClr val="FFFFFF">
+                  <a:alpha val="0"/>
+                </a:srgbClr>
+              </a:clrTo>
+            </a:clrChange>
+            <a:extLst>
+              <a:ext uri="{28A0092B-C50C-407E-A947-70E740481C1C}">
+                <a14:useLocalDpi xmlns:a14="http://schemas.microsoft.com/office/drawing/2010/main" val="0"/>
+              </a:ext>
+            </a:extLst>
+          </a:blip>
+          <a:stretch>
+            <a:fillRect/>
+          </a:stretch>
+        </p:blipFill>
+        <p:spPr>
+          <a:xfrm>
+            <a:off x="1295400" y="1438868"/>
+            <a:ext cx="5029200" cy="3257550"/>
+          </a:xfrm>
+          <a:prstGeom prst="rect">
+            <a:avLst/>
+          </a:prstGeom>
+        </p:spPr>
+      </p:pic>
+      <p:pic>
+        <p:nvPicPr>
+          <p:cNvPr id="8" name="コンテンツ プレースホルダー 4">
+            <a:extLst>
+              <a:ext uri="{FF2B5EF4-FFF2-40B4-BE49-F238E27FC236}">
+                <a16:creationId xmlns:a16="http://schemas.microsoft.com/office/drawing/2014/main" id="{5DB2B597-FC93-174F-9CDF-242CCECA0413}"/>
+              </a:ext>
+            </a:extLst>
+          </p:cNvPr>
+          <p:cNvPicPr>
+            <a:picLocks noChangeAspect="1"/>
+          </p:cNvPicPr>
+          <p:nvPr/>
+        </p:nvPicPr>
+        <p:blipFill>
+          <a:blip r:embed="rId2">
+            <a:clrChange>
+              <a:clrFrom>
+                <a:srgbClr val="FFFFFF"/>
+              </a:clrFrom>
+              <a:clrTo>
+                <a:srgbClr val="FFFFFF">
+                  <a:alpha val="0"/>
+                </a:srgbClr>
+              </a:clrTo>
+            </a:clrChange>
+            <a:extLst>
+              <a:ext uri="{28A0092B-C50C-407E-A947-70E740481C1C}">
+                <a14:useLocalDpi xmlns:a14="http://schemas.microsoft.com/office/drawing/2010/main" val="0"/>
+              </a:ext>
+            </a:extLst>
+          </a:blip>
+          <a:stretch>
+            <a:fillRect/>
+          </a:stretch>
+        </p:blipFill>
+        <p:spPr>
+          <a:xfrm>
+            <a:off x="7978542" y="3752900"/>
+            <a:ext cx="5029200" cy="3257550"/>
+          </a:xfrm>
+          <a:prstGeom prst="rect">
+            <a:avLst/>
+          </a:prstGeom>
+        </p:spPr>
+      </p:pic>
+      <p:sp>
+        <p:nvSpPr>
+          <p:cNvPr id="9" name="吹き出し: 四角形 8">
+            <a:extLst>
+              <a:ext uri="{FF2B5EF4-FFF2-40B4-BE49-F238E27FC236}">
+                <a16:creationId xmlns:a16="http://schemas.microsoft.com/office/drawing/2014/main" id="{6FED397E-F500-4A5D-8905-5D234745C6D1}"/>
+              </a:ext>
+            </a:extLst>
+          </p:cNvPr>
+          <p:cNvSpPr/>
+          <p:nvPr/>
+        </p:nvSpPr>
+        <p:spPr>
+          <a:xfrm>
+            <a:off x="4264392" y="1865145"/>
+            <a:ext cx="2117558" cy="1713297"/>
+          </a:xfrm>
+          <a:prstGeom prst="wedgeRectCallout">
+            <a:avLst>
+              <a:gd name="adj1" fmla="val -63106"/>
+              <a:gd name="adj2" fmla="val 37219"/>
+            </a:avLst>
+          </a:prstGeom>
+          <a:noFill/>
+        </p:spPr>
+        <p:style>
+          <a:lnRef idx="2">
+            <a:schemeClr val="accent1">
+              <a:shade val="15000"/>
+            </a:schemeClr>
+          </a:lnRef>
+          <a:fillRef idx="1">
+            <a:schemeClr val="accent1"/>
+          </a:fillRef>
+          <a:effectRef idx="0">
+            <a:schemeClr val="accent1"/>
+          </a:effectRef>
+          <a:fontRef idx="minor">
+            <a:schemeClr val="lt1"/>
+          </a:fontRef>
+        </p:style>
+        <p:txBody>
+          <a:bodyPr rtlCol="0" anchor="ctr"/>
+          <a:lstStyle/>
+          <a:p>
+            <a:pPr algn="ctr"/>
+            <a:endParaRPr kumimoji="1" lang="ja-JP" altLang="en-US"/>
+          </a:p>
+        </p:txBody>
+      </p:sp>
+      <p:sp>
+        <p:nvSpPr>
+          <p:cNvPr id="13" name="テキスト ボックス 12">
+            <a:extLst>
+              <a:ext uri="{FF2B5EF4-FFF2-40B4-BE49-F238E27FC236}">
+                <a16:creationId xmlns:a16="http://schemas.microsoft.com/office/drawing/2014/main" id="{C4FC55F0-10EE-D73D-00E2-30D19FE74FB9}"/>
+              </a:ext>
+            </a:extLst>
+          </p:cNvPr>
+          <p:cNvSpPr txBox="1"/>
+          <p:nvPr/>
+        </p:nvSpPr>
+        <p:spPr>
+          <a:xfrm>
+            <a:off x="4356234" y="2015047"/>
+            <a:ext cx="1864093" cy="1477328"/>
+          </a:xfrm>
+          <a:prstGeom prst="rect">
+            <a:avLst/>
+          </a:prstGeom>
+          <a:noFill/>
+        </p:spPr>
+        <p:txBody>
+          <a:bodyPr wrap="square" rtlCol="0">
+            <a:spAutoFit/>
+          </a:bodyPr>
+          <a:lstStyle/>
+          <a:p>
+            <a:r>
+              <a:rPr kumimoji="1" lang="en-US" altLang="ja-JP" dirty="0"/>
+              <a:t>CAE</a:t>
+            </a:r>
+            <a:r>
+              <a:rPr kumimoji="1" lang="ja-JP" altLang="en-US" dirty="0"/>
+              <a:t>部にはツッコミ役がいないよねー。</a:t>
+            </a:r>
+            <a:endParaRPr kumimoji="1" lang="en-US" altLang="ja-JP" dirty="0"/>
+          </a:p>
+          <a:p>
+            <a:r>
+              <a:rPr lang="ja-JP" altLang="en-US" dirty="0"/>
+              <a:t>赤石君に任せた！</a:t>
+            </a:r>
+            <a:endParaRPr kumimoji="1" lang="ja-JP" altLang="en-US" dirty="0"/>
+          </a:p>
+        </p:txBody>
+      </p:sp>
+      <p:sp>
+        <p:nvSpPr>
+          <p:cNvPr id="14" name="テキスト ボックス 13">
+            <a:extLst>
+              <a:ext uri="{FF2B5EF4-FFF2-40B4-BE49-F238E27FC236}">
+                <a16:creationId xmlns:a16="http://schemas.microsoft.com/office/drawing/2014/main" id="{3100C2FE-8CA6-DA72-45E0-41F3C7D607EE}"/>
+              </a:ext>
+            </a:extLst>
+          </p:cNvPr>
+          <p:cNvSpPr txBox="1"/>
+          <p:nvPr/>
+        </p:nvSpPr>
+        <p:spPr>
+          <a:xfrm>
+            <a:off x="665747" y="3752900"/>
+            <a:ext cx="1864093" cy="369332"/>
+          </a:xfrm>
+          <a:prstGeom prst="rect">
+            <a:avLst/>
+          </a:prstGeom>
+          <a:noFill/>
+        </p:spPr>
+        <p:txBody>
+          <a:bodyPr wrap="square" rtlCol="0">
+            <a:spAutoFit/>
+          </a:bodyPr>
+          <a:lstStyle/>
+          <a:p>
+            <a:r>
+              <a:rPr kumimoji="1" lang="en-US" altLang="ja-JP" dirty="0"/>
+              <a:t>I</a:t>
+            </a:r>
+            <a:r>
+              <a:rPr kumimoji="1" lang="ja-JP" altLang="en-US" dirty="0"/>
+              <a:t>ワモトさん</a:t>
+            </a:r>
+          </a:p>
+        </p:txBody>
+      </p:sp>
+      <p:sp>
+        <p:nvSpPr>
+          <p:cNvPr id="15" name="テキスト ボックス 14">
+            <a:extLst>
+              <a:ext uri="{FF2B5EF4-FFF2-40B4-BE49-F238E27FC236}">
+                <a16:creationId xmlns:a16="http://schemas.microsoft.com/office/drawing/2014/main" id="{30F2C8CD-D607-6542-6F19-BA9A05A74882}"/>
+              </a:ext>
+            </a:extLst>
+          </p:cNvPr>
+          <p:cNvSpPr txBox="1"/>
+          <p:nvPr/>
+        </p:nvSpPr>
+        <p:spPr>
+          <a:xfrm>
+            <a:off x="2000050" y="3826693"/>
+            <a:ext cx="1864093" cy="369332"/>
+          </a:xfrm>
+          <a:prstGeom prst="rect">
+            <a:avLst/>
+          </a:prstGeom>
+          <a:noFill/>
+        </p:spPr>
+        <p:txBody>
+          <a:bodyPr wrap="square" rtlCol="0">
+            <a:spAutoFit/>
+          </a:bodyPr>
+          <a:lstStyle/>
+          <a:p>
+            <a:r>
+              <a:rPr lang="en-US" altLang="ja-JP" dirty="0"/>
+              <a:t>O</a:t>
+            </a:r>
+            <a:r>
+              <a:rPr lang="ja-JP" altLang="en-US" dirty="0"/>
+              <a:t>ギノ</a:t>
+            </a:r>
+            <a:r>
+              <a:rPr kumimoji="1" lang="ja-JP" altLang="en-US" dirty="0"/>
+              <a:t>さん</a:t>
+            </a:r>
+          </a:p>
+        </p:txBody>
+      </p:sp>
+      <p:sp>
+        <p:nvSpPr>
+          <p:cNvPr id="16" name="テキスト ボックス 15">
+            <a:extLst>
+              <a:ext uri="{FF2B5EF4-FFF2-40B4-BE49-F238E27FC236}">
+                <a16:creationId xmlns:a16="http://schemas.microsoft.com/office/drawing/2014/main" id="{09942DE3-5A93-CA66-9592-929D6BEEA0A2}"/>
+              </a:ext>
+            </a:extLst>
+          </p:cNvPr>
+          <p:cNvSpPr txBox="1"/>
+          <p:nvPr/>
+        </p:nvSpPr>
+        <p:spPr>
+          <a:xfrm>
+            <a:off x="3303872" y="3807551"/>
+            <a:ext cx="1864093" cy="369332"/>
+          </a:xfrm>
+          <a:prstGeom prst="rect">
+            <a:avLst/>
+          </a:prstGeom>
+          <a:noFill/>
+        </p:spPr>
+        <p:txBody>
+          <a:bodyPr wrap="square" rtlCol="0">
+            <a:spAutoFit/>
+          </a:bodyPr>
+          <a:lstStyle/>
+          <a:p>
+            <a:r>
+              <a:rPr lang="en-US" altLang="ja-JP" dirty="0"/>
+              <a:t>8</a:t>
+            </a:r>
+            <a:r>
+              <a:rPr lang="ja-JP" altLang="en-US" dirty="0"/>
+              <a:t>サキ</a:t>
+            </a:r>
+            <a:r>
+              <a:rPr kumimoji="1" lang="ja-JP" altLang="en-US" dirty="0"/>
+              <a:t>さん</a:t>
+            </a:r>
+          </a:p>
+        </p:txBody>
+      </p:sp>
+      <p:sp>
+        <p:nvSpPr>
+          <p:cNvPr id="17" name="テキスト ボックス 16">
+            <a:extLst>
+              <a:ext uri="{FF2B5EF4-FFF2-40B4-BE49-F238E27FC236}">
+                <a16:creationId xmlns:a16="http://schemas.microsoft.com/office/drawing/2014/main" id="{40EF9175-356D-B4CF-7CD4-BF1967785E3A}"/>
+              </a:ext>
+            </a:extLst>
+          </p:cNvPr>
+          <p:cNvSpPr txBox="1"/>
+          <p:nvPr/>
+        </p:nvSpPr>
+        <p:spPr>
+          <a:xfrm>
+            <a:off x="9799320" y="6090490"/>
+            <a:ext cx="1864093" cy="369332"/>
+          </a:xfrm>
+          <a:prstGeom prst="rect">
+            <a:avLst/>
+          </a:prstGeom>
+          <a:noFill/>
+        </p:spPr>
+        <p:txBody>
+          <a:bodyPr wrap="square" rtlCol="0">
+            <a:spAutoFit/>
+          </a:bodyPr>
+          <a:lstStyle/>
+          <a:p>
+            <a:r>
+              <a:rPr kumimoji="1" lang="ja-JP" altLang="en-US" dirty="0"/>
+              <a:t>赤石</a:t>
+            </a:r>
+          </a:p>
+        </p:txBody>
+      </p:sp>
+      <p:sp>
+        <p:nvSpPr>
+          <p:cNvPr id="20" name="吹き出し: 四角形 19">
+            <a:extLst>
+              <a:ext uri="{FF2B5EF4-FFF2-40B4-BE49-F238E27FC236}">
+                <a16:creationId xmlns:a16="http://schemas.microsoft.com/office/drawing/2014/main" id="{54E5C9BE-9C61-3EC1-3AD8-1D55C1E9D6AF}"/>
+              </a:ext>
+            </a:extLst>
+          </p:cNvPr>
+          <p:cNvSpPr/>
+          <p:nvPr/>
+        </p:nvSpPr>
+        <p:spPr>
+          <a:xfrm>
+            <a:off x="6782603" y="4481612"/>
+            <a:ext cx="2117558" cy="1713297"/>
+          </a:xfrm>
+          <a:prstGeom prst="wedgeRectCallout">
+            <a:avLst>
+              <a:gd name="adj1" fmla="val 70076"/>
+              <a:gd name="adj2" fmla="val 20927"/>
+            </a:avLst>
+          </a:prstGeom>
+          <a:noFill/>
+        </p:spPr>
+        <p:style>
+          <a:lnRef idx="2">
+            <a:schemeClr val="accent1">
+              <a:shade val="15000"/>
+            </a:schemeClr>
+          </a:lnRef>
+          <a:fillRef idx="1">
+            <a:schemeClr val="accent1"/>
+          </a:fillRef>
+          <a:effectRef idx="0">
+            <a:schemeClr val="accent1"/>
+          </a:effectRef>
+          <a:fontRef idx="minor">
+            <a:schemeClr val="lt1"/>
+          </a:fontRef>
+        </p:style>
+        <p:txBody>
+          <a:bodyPr rtlCol="0" anchor="ctr"/>
+          <a:lstStyle/>
+          <a:p>
+            <a:pPr algn="ctr"/>
+            <a:endParaRPr kumimoji="1" lang="ja-JP" altLang="en-US"/>
+          </a:p>
+        </p:txBody>
+      </p:sp>
+      <p:sp>
+        <p:nvSpPr>
+          <p:cNvPr id="21" name="テキスト ボックス 20">
+            <a:extLst>
+              <a:ext uri="{FF2B5EF4-FFF2-40B4-BE49-F238E27FC236}">
+                <a16:creationId xmlns:a16="http://schemas.microsoft.com/office/drawing/2014/main" id="{732BF9C2-D42F-8DB3-D9F7-451F2DA07264}"/>
+              </a:ext>
+            </a:extLst>
+          </p:cNvPr>
+          <p:cNvSpPr txBox="1"/>
+          <p:nvPr/>
+        </p:nvSpPr>
+        <p:spPr>
+          <a:xfrm>
+            <a:off x="6874445" y="4631514"/>
+            <a:ext cx="1864093" cy="369332"/>
+          </a:xfrm>
+          <a:prstGeom prst="rect">
+            <a:avLst/>
+          </a:prstGeom>
+          <a:noFill/>
+        </p:spPr>
+        <p:txBody>
+          <a:bodyPr wrap="square" rtlCol="0">
+            <a:spAutoFit/>
+          </a:bodyPr>
+          <a:lstStyle/>
+          <a:p>
+            <a:r>
+              <a:rPr kumimoji="1" lang="ja-JP" altLang="en-US" dirty="0"/>
+              <a:t>ひえー</a:t>
+            </a:r>
+          </a:p>
+        </p:txBody>
+      </p:sp>
+    </p:spTree>
+    <p:extLst>
+      <p:ext uri="{BB962C8B-B14F-4D97-AF65-F5344CB8AC3E}">
+        <p14:creationId xmlns:p14="http://schemas.microsoft.com/office/powerpoint/2010/main" val="4244180105"/>
+      </p:ext>
+    </p:extLst>
+  </p:cSld>
+  <p:clrMapOvr>
+    <a:masterClrMapping/>
+  </p:clrMapOvr>
+</p:sld>
+</file>
+
+<file path=ppt/slides/slide3.xml><?xml version="1.0" encoding="utf-8"?>
+<p:sld xmlns:a="http://schemas.openxmlformats.org/drawingml/2006/main" xmlns:r="http://schemas.openxmlformats.org/officeDocument/2006/relationships" xmlns:p="http://schemas.openxmlformats.org/presentationml/2006/main">
+  <p:cSld>
+    <p:spTree>
+      <p:nvGrpSpPr>
+        <p:cNvPr id="1" name=""/>
+        <p:cNvGrpSpPr/>
+        <p:nvPr/>
+      </p:nvGrpSpPr>
+      <p:grpSpPr>
+        <a:xfrm>
+          <a:off x="0" y="0"/>
+          <a:ext cx="0" cy="0"/>
+          <a:chOff x="0" y="0"/>
+          <a:chExt cx="0" cy="0"/>
+        </a:xfrm>
+      </p:grpSpPr>
+      <p:sp>
+        <p:nvSpPr>
+          <p:cNvPr id="2" name="タイトル 1">
+            <a:extLst>
+              <a:ext uri="{FF2B5EF4-FFF2-40B4-BE49-F238E27FC236}">
+                <a16:creationId xmlns:a16="http://schemas.microsoft.com/office/drawing/2014/main" id="{D8DB3790-86E3-D853-3F6E-68335E753D91}"/>
+              </a:ext>
+            </a:extLst>
+          </p:cNvPr>
+          <p:cNvSpPr>
+            <a:spLocks noGrp="1"/>
+          </p:cNvSpPr>
+          <p:nvPr>
+            <p:ph type="title"/>
+          </p:nvPr>
+        </p:nvSpPr>
+        <p:spPr/>
+        <p:txBody>
+          <a:bodyPr/>
+          <a:lstStyle/>
+          <a:p>
+            <a:endParaRPr kumimoji="1" lang="ja-JP" altLang="en-US" dirty="0"/>
+          </a:p>
+        </p:txBody>
+      </p:sp>
+      <p:pic>
+        <p:nvPicPr>
+          <p:cNvPr id="8" name="コンテンツ プレースホルダー 4">
+            <a:extLst>
+              <a:ext uri="{FF2B5EF4-FFF2-40B4-BE49-F238E27FC236}">
+                <a16:creationId xmlns:a16="http://schemas.microsoft.com/office/drawing/2014/main" id="{5DB2B597-FC93-174F-9CDF-242CCECA0413}"/>
+              </a:ext>
+            </a:extLst>
+          </p:cNvPr>
+          <p:cNvPicPr>
+            <a:picLocks noChangeAspect="1"/>
+          </p:cNvPicPr>
+          <p:nvPr/>
+        </p:nvPicPr>
+        <p:blipFill>
+          <a:blip r:embed="rId2">
+            <a:clrChange>
+              <a:clrFrom>
+                <a:srgbClr val="FFFFFF"/>
+              </a:clrFrom>
+              <a:clrTo>
+                <a:srgbClr val="FFFFFF">
+                  <a:alpha val="0"/>
+                </a:srgbClr>
+              </a:clrTo>
+            </a:clrChange>
+            <a:extLst>
+              <a:ext uri="{28A0092B-C50C-407E-A947-70E740481C1C}">
+                <a14:useLocalDpi xmlns:a14="http://schemas.microsoft.com/office/drawing/2010/main" val="0"/>
+              </a:ext>
+            </a:extLst>
+          </a:blip>
+          <a:stretch>
+            <a:fillRect/>
+          </a:stretch>
+        </p:blipFill>
+        <p:spPr>
+          <a:xfrm>
+            <a:off x="4908084" y="2275321"/>
+            <a:ext cx="5029200" cy="3257550"/>
+          </a:xfrm>
+          <a:prstGeom prst="rect">
+            <a:avLst/>
+          </a:prstGeom>
+        </p:spPr>
+      </p:pic>
+      <p:sp>
+        <p:nvSpPr>
+          <p:cNvPr id="17" name="テキスト ボックス 16">
+            <a:extLst>
+              <a:ext uri="{FF2B5EF4-FFF2-40B4-BE49-F238E27FC236}">
+                <a16:creationId xmlns:a16="http://schemas.microsoft.com/office/drawing/2014/main" id="{40EF9175-356D-B4CF-7CD4-BF1967785E3A}"/>
+              </a:ext>
+            </a:extLst>
+          </p:cNvPr>
+          <p:cNvSpPr txBox="1"/>
+          <p:nvPr/>
+        </p:nvSpPr>
+        <p:spPr>
+          <a:xfrm>
+            <a:off x="6776988" y="4656326"/>
+            <a:ext cx="1864093" cy="369332"/>
+          </a:xfrm>
+          <a:prstGeom prst="rect">
+            <a:avLst/>
+          </a:prstGeom>
+          <a:noFill/>
+        </p:spPr>
+        <p:txBody>
+          <a:bodyPr wrap="square" rtlCol="0">
+            <a:spAutoFit/>
+          </a:bodyPr>
+          <a:lstStyle/>
+          <a:p>
+            <a:r>
+              <a:rPr kumimoji="1" lang="ja-JP" altLang="en-US" dirty="0"/>
+              <a:t>赤石</a:t>
+            </a:r>
+          </a:p>
+        </p:txBody>
+      </p:sp>
+      <p:sp>
+        <p:nvSpPr>
+          <p:cNvPr id="20" name="吹き出し: 四角形 19">
+            <a:extLst>
+              <a:ext uri="{FF2B5EF4-FFF2-40B4-BE49-F238E27FC236}">
+                <a16:creationId xmlns:a16="http://schemas.microsoft.com/office/drawing/2014/main" id="{54E5C9BE-9C61-3EC1-3AD8-1D55C1E9D6AF}"/>
+              </a:ext>
+            </a:extLst>
+          </p:cNvPr>
+          <p:cNvSpPr/>
+          <p:nvPr/>
+        </p:nvSpPr>
+        <p:spPr>
+          <a:xfrm>
+            <a:off x="3760271" y="3047448"/>
+            <a:ext cx="2117558" cy="1713297"/>
+          </a:xfrm>
+          <a:prstGeom prst="wedgeRectCallout">
+            <a:avLst>
+              <a:gd name="adj1" fmla="val 70076"/>
+              <a:gd name="adj2" fmla="val 20927"/>
+            </a:avLst>
+          </a:prstGeom>
+          <a:noFill/>
+        </p:spPr>
+        <p:style>
+          <a:lnRef idx="2">
+            <a:schemeClr val="accent1">
+              <a:shade val="15000"/>
+            </a:schemeClr>
+          </a:lnRef>
+          <a:fillRef idx="1">
+            <a:schemeClr val="accent1"/>
+          </a:fillRef>
+          <a:effectRef idx="0">
+            <a:schemeClr val="accent1"/>
+          </a:effectRef>
+          <a:fontRef idx="minor">
+            <a:schemeClr val="lt1"/>
+          </a:fontRef>
+        </p:style>
+        <p:txBody>
+          <a:bodyPr rtlCol="0" anchor="ctr"/>
+          <a:lstStyle/>
+          <a:p>
+            <a:pPr algn="ctr"/>
+            <a:endParaRPr kumimoji="1" lang="ja-JP" altLang="en-US"/>
+          </a:p>
+        </p:txBody>
+      </p:sp>
+      <p:sp>
+        <p:nvSpPr>
+          <p:cNvPr id="21" name="テキスト ボックス 20">
+            <a:extLst>
+              <a:ext uri="{FF2B5EF4-FFF2-40B4-BE49-F238E27FC236}">
+                <a16:creationId xmlns:a16="http://schemas.microsoft.com/office/drawing/2014/main" id="{732BF9C2-D42F-8DB3-D9F7-451F2DA07264}"/>
+              </a:ext>
+            </a:extLst>
+          </p:cNvPr>
+          <p:cNvSpPr txBox="1"/>
+          <p:nvPr/>
+        </p:nvSpPr>
+        <p:spPr>
+          <a:xfrm>
+            <a:off x="3852113" y="3197350"/>
+            <a:ext cx="1864093" cy="1200329"/>
+          </a:xfrm>
+          <a:prstGeom prst="rect">
+            <a:avLst/>
+          </a:prstGeom>
+          <a:noFill/>
+        </p:spPr>
+        <p:txBody>
+          <a:bodyPr wrap="square" rtlCol="0">
+            <a:spAutoFit/>
+          </a:bodyPr>
+          <a:lstStyle/>
+          <a:p>
+            <a:r>
+              <a:rPr lang="ja-JP" altLang="en-US" dirty="0"/>
+              <a:t>ツッコミかー。</a:t>
+            </a:r>
+            <a:endParaRPr lang="en-US" altLang="ja-JP" dirty="0"/>
+          </a:p>
+          <a:p>
+            <a:r>
+              <a:rPr kumimoji="1" lang="ja-JP" altLang="en-US" dirty="0"/>
+              <a:t>勉強しなきゃ</a:t>
+            </a:r>
+            <a:r>
+              <a:rPr kumimoji="1" lang="en-US" altLang="ja-JP" dirty="0"/>
+              <a:t>…</a:t>
+            </a:r>
+          </a:p>
+          <a:p>
+            <a:r>
+              <a:rPr lang="ja-JP" altLang="en-US" dirty="0"/>
+              <a:t>ん？勉強？</a:t>
+            </a:r>
+            <a:endParaRPr lang="en-US" altLang="ja-JP" dirty="0"/>
+          </a:p>
+          <a:p>
+            <a:r>
+              <a:rPr kumimoji="1" lang="ja-JP" altLang="en-US" dirty="0"/>
+              <a:t>学習？</a:t>
+            </a:r>
+          </a:p>
+        </p:txBody>
+      </p:sp>
+    </p:spTree>
+    <p:extLst>
+      <p:ext uri="{BB962C8B-B14F-4D97-AF65-F5344CB8AC3E}">
+        <p14:creationId xmlns:p14="http://schemas.microsoft.com/office/powerpoint/2010/main" val="2833144506"/>
+      </p:ext>
+    </p:extLst>
+  </p:cSld>
+  <p:clrMapOvr>
+    <a:masterClrMapping/>
+  </p:clrMapOvr>
+</p:sld>
+</file>
+
+<file path=ppt/slides/slide4.xml><?xml version="1.0" encoding="utf-8"?>
+<p:sld xmlns:a="http://schemas.openxmlformats.org/drawingml/2006/main" xmlns:r="http://schemas.openxmlformats.org/officeDocument/2006/relationships" xmlns:p="http://schemas.openxmlformats.org/presentationml/2006/main">
+  <p:cSld>
+    <p:spTree>
+      <p:nvGrpSpPr>
+        <p:cNvPr id="1" name=""/>
+        <p:cNvGrpSpPr/>
+        <p:nvPr/>
+      </p:nvGrpSpPr>
+      <p:grpSpPr>
+        <a:xfrm>
+          <a:off x="0" y="0"/>
+          <a:ext cx="0" cy="0"/>
+          <a:chOff x="0" y="0"/>
+          <a:chExt cx="0" cy="0"/>
+        </a:xfrm>
+      </p:grpSpPr>
+      <p:sp>
+        <p:nvSpPr>
+          <p:cNvPr id="2" name="タイトル 1">
+            <a:extLst>
+              <a:ext uri="{FF2B5EF4-FFF2-40B4-BE49-F238E27FC236}">
+                <a16:creationId xmlns:a16="http://schemas.microsoft.com/office/drawing/2014/main" id="{D8DB3790-86E3-D853-3F6E-68335E753D91}"/>
+              </a:ext>
+            </a:extLst>
+          </p:cNvPr>
+          <p:cNvSpPr>
+            <a:spLocks noGrp="1"/>
+          </p:cNvSpPr>
+          <p:nvPr>
+            <p:ph type="title"/>
+          </p:nvPr>
+        </p:nvSpPr>
+        <p:spPr/>
+        <p:txBody>
+          <a:bodyPr/>
+          <a:lstStyle/>
+          <a:p>
+            <a:endParaRPr kumimoji="1" lang="ja-JP" altLang="en-US" dirty="0"/>
+          </a:p>
+        </p:txBody>
+      </p:sp>
+      <p:pic>
+        <p:nvPicPr>
+          <p:cNvPr id="8" name="コンテンツ プレースホルダー 4">
+            <a:extLst>
+              <a:ext uri="{FF2B5EF4-FFF2-40B4-BE49-F238E27FC236}">
+                <a16:creationId xmlns:a16="http://schemas.microsoft.com/office/drawing/2014/main" id="{5DB2B597-FC93-174F-9CDF-242CCECA0413}"/>
+              </a:ext>
+            </a:extLst>
+          </p:cNvPr>
+          <p:cNvPicPr>
+            <a:picLocks noChangeAspect="1"/>
+          </p:cNvPicPr>
+          <p:nvPr/>
+        </p:nvPicPr>
+        <p:blipFill>
+          <a:blip r:embed="rId2">
+            <a:clrChange>
+              <a:clrFrom>
+                <a:srgbClr val="FFFFFF"/>
+              </a:clrFrom>
+              <a:clrTo>
+                <a:srgbClr val="FFFFFF">
+                  <a:alpha val="0"/>
+                </a:srgbClr>
+              </a:clrTo>
+            </a:clrChange>
+            <a:extLst>
+              <a:ext uri="{28A0092B-C50C-407E-A947-70E740481C1C}">
+                <a14:useLocalDpi xmlns:a14="http://schemas.microsoft.com/office/drawing/2010/main" val="0"/>
+              </a:ext>
+            </a:extLst>
+          </a:blip>
+          <a:stretch>
+            <a:fillRect/>
+          </a:stretch>
+        </p:blipFill>
+        <p:spPr>
+          <a:xfrm>
+            <a:off x="4908084" y="2275321"/>
+            <a:ext cx="5029200" cy="3257550"/>
+          </a:xfrm>
+          <a:prstGeom prst="rect">
+            <a:avLst/>
+          </a:prstGeom>
+        </p:spPr>
+      </p:pic>
+      <p:sp>
+        <p:nvSpPr>
+          <p:cNvPr id="17" name="テキスト ボックス 16">
+            <a:extLst>
+              <a:ext uri="{FF2B5EF4-FFF2-40B4-BE49-F238E27FC236}">
+                <a16:creationId xmlns:a16="http://schemas.microsoft.com/office/drawing/2014/main" id="{40EF9175-356D-B4CF-7CD4-BF1967785E3A}"/>
+              </a:ext>
+            </a:extLst>
+          </p:cNvPr>
+          <p:cNvSpPr txBox="1"/>
+          <p:nvPr/>
+        </p:nvSpPr>
+        <p:spPr>
+          <a:xfrm>
+            <a:off x="6776988" y="4656326"/>
+            <a:ext cx="1864093" cy="369332"/>
+          </a:xfrm>
+          <a:prstGeom prst="rect">
+            <a:avLst/>
+          </a:prstGeom>
+          <a:noFill/>
+        </p:spPr>
+        <p:txBody>
+          <a:bodyPr wrap="square" rtlCol="0">
+            <a:spAutoFit/>
+          </a:bodyPr>
+          <a:lstStyle/>
+          <a:p>
+            <a:r>
+              <a:rPr kumimoji="1" lang="ja-JP" altLang="en-US" dirty="0"/>
+              <a:t>赤石</a:t>
+            </a:r>
+          </a:p>
+        </p:txBody>
+      </p:sp>
+      <p:sp>
+        <p:nvSpPr>
+          <p:cNvPr id="20" name="吹き出し: 四角形 19">
+            <a:extLst>
+              <a:ext uri="{FF2B5EF4-FFF2-40B4-BE49-F238E27FC236}">
+                <a16:creationId xmlns:a16="http://schemas.microsoft.com/office/drawing/2014/main" id="{54E5C9BE-9C61-3EC1-3AD8-1D55C1E9D6AF}"/>
+              </a:ext>
+            </a:extLst>
+          </p:cNvPr>
+          <p:cNvSpPr/>
+          <p:nvPr/>
+        </p:nvSpPr>
+        <p:spPr>
+          <a:xfrm>
+            <a:off x="3760271" y="3047448"/>
+            <a:ext cx="2117558" cy="1713297"/>
+          </a:xfrm>
+          <a:prstGeom prst="wedgeRectCallout">
+            <a:avLst>
+              <a:gd name="adj1" fmla="val 70076"/>
+              <a:gd name="adj2" fmla="val 20927"/>
+            </a:avLst>
+          </a:prstGeom>
+          <a:noFill/>
+        </p:spPr>
+        <p:style>
+          <a:lnRef idx="2">
+            <a:schemeClr val="accent1">
+              <a:shade val="15000"/>
+            </a:schemeClr>
+          </a:lnRef>
+          <a:fillRef idx="1">
+            <a:schemeClr val="accent1"/>
+          </a:fillRef>
+          <a:effectRef idx="0">
+            <a:schemeClr val="accent1"/>
+          </a:effectRef>
+          <a:fontRef idx="minor">
+            <a:schemeClr val="lt1"/>
+          </a:fontRef>
+        </p:style>
+        <p:txBody>
+          <a:bodyPr rtlCol="0" anchor="ctr"/>
+          <a:lstStyle/>
+          <a:p>
+            <a:pPr algn="ctr"/>
+            <a:endParaRPr kumimoji="1" lang="ja-JP" altLang="en-US"/>
+          </a:p>
+        </p:txBody>
+      </p:sp>
+      <p:sp>
+        <p:nvSpPr>
+          <p:cNvPr id="21" name="テキスト ボックス 20">
+            <a:extLst>
+              <a:ext uri="{FF2B5EF4-FFF2-40B4-BE49-F238E27FC236}">
+                <a16:creationId xmlns:a16="http://schemas.microsoft.com/office/drawing/2014/main" id="{732BF9C2-D42F-8DB3-D9F7-451F2DA07264}"/>
+              </a:ext>
+            </a:extLst>
+          </p:cNvPr>
+          <p:cNvSpPr txBox="1"/>
+          <p:nvPr/>
+        </p:nvSpPr>
+        <p:spPr>
+          <a:xfrm>
+            <a:off x="3852113" y="3197350"/>
+            <a:ext cx="1864093" cy="1354217"/>
+          </a:xfrm>
+          <a:prstGeom prst="rect">
+            <a:avLst/>
+          </a:prstGeom>
+          <a:noFill/>
+        </p:spPr>
+        <p:txBody>
+          <a:bodyPr wrap="square" rtlCol="0">
+            <a:spAutoFit/>
+          </a:bodyPr>
+          <a:lstStyle/>
+          <a:p>
+            <a:r>
+              <a:rPr kumimoji="1" lang="ja-JP" altLang="en-US" dirty="0"/>
+              <a:t>そうだ、</a:t>
+            </a:r>
+            <a:r>
+              <a:rPr kumimoji="1" lang="en-US" altLang="ja-JP" dirty="0"/>
+              <a:t>AI</a:t>
+            </a:r>
+            <a:r>
+              <a:rPr kumimoji="1" lang="ja-JP" altLang="en-US" dirty="0"/>
+              <a:t>にツッコませよう！</a:t>
+            </a:r>
+            <a:endParaRPr kumimoji="1" lang="en-US" altLang="ja-JP" dirty="0"/>
+          </a:p>
+          <a:p>
+            <a:r>
+              <a:rPr lang="ja-JP" altLang="en-US" sz="1400" dirty="0"/>
+              <a:t>私の辞書に努力という文字はない。</a:t>
+            </a:r>
+            <a:endParaRPr kumimoji="1" lang="ja-JP" altLang="en-US" sz="1400" dirty="0"/>
+          </a:p>
+        </p:txBody>
+      </p:sp>
+    </p:spTree>
+    <p:extLst>
+      <p:ext uri="{BB962C8B-B14F-4D97-AF65-F5344CB8AC3E}">
+        <p14:creationId xmlns:p14="http://schemas.microsoft.com/office/powerpoint/2010/main" val="395644495"/>
+      </p:ext>
+    </p:extLst>
+  </p:cSld>
+  <p:clrMapOvr>
+    <a:masterClrMapping/>
+  </p:clrMapOvr>
+</p:sld>
+</file>
+
+<file path=ppt/slides/slide5.xml><?xml version="1.0" encoding="utf-8"?>
+<p:sld xmlns:a="http://schemas.openxmlformats.org/drawingml/2006/main" xmlns:r="http://schemas.openxmlformats.org/officeDocument/2006/relationships" xmlns:p="http://schemas.openxmlformats.org/presentationml/2006/main">
+  <p:cSld>
+    <p:spTree>
+      <p:nvGrpSpPr>
+        <p:cNvPr id="1" name=""/>
+        <p:cNvGrpSpPr/>
+        <p:nvPr/>
+      </p:nvGrpSpPr>
+      <p:grpSpPr>
+        <a:xfrm>
+          <a:off x="0" y="0"/>
+          <a:ext cx="0" cy="0"/>
+          <a:chOff x="0" y="0"/>
+          <a:chExt cx="0" cy="0"/>
+        </a:xfrm>
+      </p:grpSpPr>
+      <p:sp>
+        <p:nvSpPr>
+          <p:cNvPr id="2" name="タイトル 1">
+            <a:extLst>
+              <a:ext uri="{FF2B5EF4-FFF2-40B4-BE49-F238E27FC236}">
+                <a16:creationId xmlns:a16="http://schemas.microsoft.com/office/drawing/2014/main" id="{9B8D1F54-3F19-EFE6-D10F-48602B780981}"/>
+              </a:ext>
+            </a:extLst>
+          </p:cNvPr>
+          <p:cNvSpPr>
+            <a:spLocks noGrp="1"/>
+          </p:cNvSpPr>
+          <p:nvPr>
+            <p:ph type="title"/>
+          </p:nvPr>
+        </p:nvSpPr>
+        <p:spPr/>
+        <p:txBody>
+          <a:bodyPr/>
+          <a:lstStyle/>
+          <a:p>
+            <a:endParaRPr kumimoji="1" lang="ja-JP" altLang="en-US"/>
+          </a:p>
+        </p:txBody>
+      </p:sp>
+      <p:sp>
+        <p:nvSpPr>
+          <p:cNvPr id="3" name="コンテンツ プレースホルダー 2">
+            <a:extLst>
+              <a:ext uri="{FF2B5EF4-FFF2-40B4-BE49-F238E27FC236}">
+                <a16:creationId xmlns:a16="http://schemas.microsoft.com/office/drawing/2014/main" id="{86CD66FA-2A5D-8BD5-5109-4F9835F3DE3E}"/>
+              </a:ext>
+            </a:extLst>
+          </p:cNvPr>
+          <p:cNvSpPr>
+            <a:spLocks noGrp="1"/>
+          </p:cNvSpPr>
+          <p:nvPr>
+            <p:ph idx="1"/>
+          </p:nvPr>
+        </p:nvSpPr>
+        <p:spPr/>
+        <p:txBody>
+          <a:bodyPr/>
+          <a:lstStyle/>
+          <a:p>
+            <a:pPr marL="0" indent="0">
+              <a:buNone/>
+            </a:pPr>
+            <a:r>
+              <a:rPr lang="en-US" altLang="ja-JP" dirty="0"/>
+              <a:t>open-calm</a:t>
+            </a:r>
+            <a:r>
+              <a:rPr lang="ja-JP" altLang="en-US" dirty="0"/>
+              <a:t>をファインチューニング。</a:t>
+            </a:r>
+            <a:endParaRPr lang="en-US" altLang="ja-JP" dirty="0"/>
+          </a:p>
+          <a:p>
+            <a:pPr marL="0" indent="0">
+              <a:buNone/>
+            </a:pPr>
+            <a:r>
+              <a:rPr kumimoji="1" lang="ja-JP" altLang="en-US" dirty="0"/>
+              <a:t>サイバーエージェントが公開している日本語</a:t>
+            </a:r>
+            <a:r>
+              <a:rPr kumimoji="1" lang="en-US" altLang="ja-JP" dirty="0"/>
+              <a:t>LLM(</a:t>
+            </a:r>
+            <a:r>
+              <a:rPr kumimoji="1" lang="ja-JP" altLang="en-US" dirty="0"/>
+              <a:t>大規模言語モデル</a:t>
+            </a:r>
+            <a:r>
+              <a:rPr kumimoji="1" lang="en-US" altLang="ja-JP" dirty="0"/>
+              <a:t>)</a:t>
+            </a:r>
+            <a:r>
+              <a:rPr kumimoji="1" lang="ja-JP" altLang="en-US" dirty="0"/>
+              <a:t>。</a:t>
+            </a:r>
+            <a:r>
+              <a:rPr kumimoji="1" lang="en-US" altLang="ja-JP" dirty="0"/>
+              <a:t>2023</a:t>
+            </a:r>
+            <a:r>
+              <a:rPr kumimoji="1" lang="ja-JP" altLang="en-US" dirty="0"/>
+              <a:t>年</a:t>
+            </a:r>
+            <a:r>
+              <a:rPr kumimoji="1" lang="en-US" altLang="ja-JP" dirty="0"/>
+              <a:t>5</a:t>
+            </a:r>
+            <a:r>
+              <a:rPr kumimoji="1" lang="ja-JP" altLang="en-US" dirty="0"/>
+              <a:t>月</a:t>
+            </a:r>
+            <a:r>
+              <a:rPr kumimoji="1" lang="en-US" altLang="ja-JP" dirty="0"/>
+              <a:t>17</a:t>
+            </a:r>
+            <a:r>
+              <a:rPr kumimoji="1" lang="ja-JP" altLang="en-US" dirty="0"/>
+              <a:t>日時点で国内最大規模の公開モデル。商用利用可能。</a:t>
+            </a:r>
+            <a:endParaRPr kumimoji="1" lang="en-US" altLang="ja-JP" dirty="0"/>
+          </a:p>
+          <a:p>
+            <a:pPr marL="0" indent="0">
+              <a:buNone/>
+            </a:pPr>
+            <a:endParaRPr lang="en-US" altLang="ja-JP" dirty="0"/>
+          </a:p>
+          <a:p>
+            <a:pPr marL="0" indent="0">
+              <a:buNone/>
+            </a:pPr>
+            <a:r>
+              <a:rPr kumimoji="1" lang="ja-JP" altLang="en-US" dirty="0"/>
+              <a:t>使ったのは　</a:t>
+            </a:r>
+            <a:r>
+              <a:rPr kumimoji="1" lang="en-US" altLang="ja-JP" dirty="0"/>
+              <a:t>open-calm-medium</a:t>
+            </a:r>
+            <a:endParaRPr kumimoji="1" lang="ja-JP" altLang="en-US" dirty="0"/>
+          </a:p>
+        </p:txBody>
+      </p:sp>
+    </p:spTree>
+    <p:extLst>
+      <p:ext uri="{BB962C8B-B14F-4D97-AF65-F5344CB8AC3E}">
+        <p14:creationId xmlns:p14="http://schemas.microsoft.com/office/powerpoint/2010/main" val="2549974926"/>
+      </p:ext>
+    </p:extLst>
+  </p:cSld>
+  <p:clrMapOvr>
+    <a:masterClrMapping/>
+  </p:clrMapOvr>
+</p:sld>
+</file>
+
+<file path=ppt/slides/slide6.xml><?xml version="1.0" encoding="utf-8"?>
+<p:sld xmlns:a="http://schemas.openxmlformats.org/drawingml/2006/main" xmlns:r="http://schemas.openxmlformats.org/officeDocument/2006/relationships" xmlns:p="http://schemas.openxmlformats.org/presentationml/2006/main">
+  <p:cSld>
+    <p:spTree>
+      <p:nvGrpSpPr>
+        <p:cNvPr id="1" name=""/>
+        <p:cNvGrpSpPr/>
+        <p:nvPr/>
+      </p:nvGrpSpPr>
+      <p:grpSpPr>
+        <a:xfrm>
+          <a:off x="0" y="0"/>
+          <a:ext cx="0" cy="0"/>
+          <a:chOff x="0" y="0"/>
+          <a:chExt cx="0" cy="0"/>
+        </a:xfrm>
+      </p:grpSpPr>
+      <p:sp>
+        <p:nvSpPr>
+          <p:cNvPr id="2" name="タイトル 1">
+            <a:extLst>
+              <a:ext uri="{FF2B5EF4-FFF2-40B4-BE49-F238E27FC236}">
+                <a16:creationId xmlns:a16="http://schemas.microsoft.com/office/drawing/2014/main" id="{DA80343E-3DE3-9287-0231-AAC240925BD2}"/>
+              </a:ext>
+            </a:extLst>
+          </p:cNvPr>
+          <p:cNvSpPr>
+            <a:spLocks noGrp="1"/>
+          </p:cNvSpPr>
+          <p:nvPr>
+            <p:ph type="title"/>
+          </p:nvPr>
+        </p:nvSpPr>
+        <p:spPr/>
+        <p:txBody>
+          <a:bodyPr/>
+          <a:lstStyle/>
+          <a:p>
+            <a:endParaRPr kumimoji="1" lang="ja-JP" altLang="en-US"/>
+          </a:p>
+        </p:txBody>
+      </p:sp>
+      <p:pic>
+        <p:nvPicPr>
+          <p:cNvPr id="5" name="コンテンツ プレースホルダー 4">
+            <a:extLst>
+              <a:ext uri="{FF2B5EF4-FFF2-40B4-BE49-F238E27FC236}">
+                <a16:creationId xmlns:a16="http://schemas.microsoft.com/office/drawing/2014/main" id="{AAA08555-2DF7-B868-F812-A4A60B32FB9B}"/>
+              </a:ext>
+            </a:extLst>
+          </p:cNvPr>
+          <p:cNvPicPr>
+            <a:picLocks noGrp="1" noChangeAspect="1"/>
+          </p:cNvPicPr>
+          <p:nvPr>
+            <p:ph idx="1"/>
+          </p:nvPr>
+        </p:nvPicPr>
+        <p:blipFill>
+          <a:blip r:embed="rId2">
+            <a:extLst>
+              <a:ext uri="{28A0092B-C50C-407E-A947-70E740481C1C}">
+                <a14:useLocalDpi xmlns:a14="http://schemas.microsoft.com/office/drawing/2010/main" val="0"/>
+              </a:ext>
+            </a:extLst>
+          </a:blip>
+          <a:stretch>
+            <a:fillRect/>
+          </a:stretch>
+        </p:blipFill>
+        <p:spPr>
+          <a:xfrm>
+            <a:off x="3578095" y="2474040"/>
+            <a:ext cx="5035809" cy="3054507"/>
+          </a:xfrm>
+        </p:spPr>
+      </p:pic>
+    </p:spTree>
+    <p:extLst>
+      <p:ext uri="{BB962C8B-B14F-4D97-AF65-F5344CB8AC3E}">
+        <p14:creationId xmlns:p14="http://schemas.microsoft.com/office/powerpoint/2010/main" val="444499714"/>
       </p:ext>
     </p:extLst>
   </p:cSld>
